--- a/Neotopia.pptx
+++ b/Neotopia.pptx
@@ -197,7 +197,7 @@
           <a:p>
             <a:fld id="{7C6849B6-5F76-4253-B254-E3DEDBE220A0}" type="datetimeFigureOut">
               <a:rPr kumimoji="1" lang="ja-JP" altLang="en-US" smtClean="0"/>
-              <a:t>2025/1/20</a:t>
+              <a:t>2025/1/21</a:t>
             </a:fld>
             <a:endParaRPr kumimoji="1" lang="ja-JP" altLang="en-US"/>
           </a:p>
@@ -709,7 +709,7 @@
           <a:p>
             <a:fld id="{3A4C0ADF-BAED-4B27-807A-5C780925F569}" type="datetimeFigureOut">
               <a:rPr kumimoji="1" lang="ja-JP" altLang="en-US" smtClean="0"/>
-              <a:t>2025/1/20</a:t>
+              <a:t>2025/1/21</a:t>
             </a:fld>
             <a:endParaRPr kumimoji="1" lang="ja-JP" altLang="en-US"/>
           </a:p>
@@ -909,7 +909,7 @@
           <a:p>
             <a:fld id="{3A4C0ADF-BAED-4B27-807A-5C780925F569}" type="datetimeFigureOut">
               <a:rPr kumimoji="1" lang="ja-JP" altLang="en-US" smtClean="0"/>
-              <a:t>2025/1/20</a:t>
+              <a:t>2025/1/21</a:t>
             </a:fld>
             <a:endParaRPr kumimoji="1" lang="ja-JP" altLang="en-US"/>
           </a:p>
@@ -1119,7 +1119,7 @@
           <a:p>
             <a:fld id="{3A4C0ADF-BAED-4B27-807A-5C780925F569}" type="datetimeFigureOut">
               <a:rPr kumimoji="1" lang="ja-JP" altLang="en-US" smtClean="0"/>
-              <a:t>2025/1/20</a:t>
+              <a:t>2025/1/21</a:t>
             </a:fld>
             <a:endParaRPr kumimoji="1" lang="ja-JP" altLang="en-US"/>
           </a:p>
@@ -1319,7 +1319,7 @@
           <a:p>
             <a:fld id="{3A4C0ADF-BAED-4B27-807A-5C780925F569}" type="datetimeFigureOut">
               <a:rPr kumimoji="1" lang="ja-JP" altLang="en-US" smtClean="0"/>
-              <a:t>2025/1/20</a:t>
+              <a:t>2025/1/21</a:t>
             </a:fld>
             <a:endParaRPr kumimoji="1" lang="ja-JP" altLang="en-US"/>
           </a:p>
@@ -1564,7 +1564,7 @@
           <a:p>
             <a:fld id="{3A4C0ADF-BAED-4B27-807A-5C780925F569}" type="datetimeFigureOut">
               <a:rPr kumimoji="1" lang="ja-JP" altLang="en-US" smtClean="0"/>
-              <a:t>2025/1/20</a:t>
+              <a:t>2025/1/21</a:t>
             </a:fld>
             <a:endParaRPr kumimoji="1" lang="ja-JP" altLang="en-US"/>
           </a:p>
@@ -1857,7 +1857,7 @@
           <a:p>
             <a:fld id="{3A4C0ADF-BAED-4B27-807A-5C780925F569}" type="datetimeFigureOut">
               <a:rPr kumimoji="1" lang="ja-JP" altLang="en-US" smtClean="0"/>
-              <a:t>2025/1/20</a:t>
+              <a:t>2025/1/21</a:t>
             </a:fld>
             <a:endParaRPr kumimoji="1" lang="ja-JP" altLang="en-US"/>
           </a:p>
@@ -2285,7 +2285,7 @@
           <a:p>
             <a:fld id="{3A4C0ADF-BAED-4B27-807A-5C780925F569}" type="datetimeFigureOut">
               <a:rPr kumimoji="1" lang="ja-JP" altLang="en-US" smtClean="0"/>
-              <a:t>2025/1/20</a:t>
+              <a:t>2025/1/21</a:t>
             </a:fld>
             <a:endParaRPr kumimoji="1" lang="ja-JP" altLang="en-US"/>
           </a:p>
@@ -2402,7 +2402,7 @@
           <a:p>
             <a:fld id="{3A4C0ADF-BAED-4B27-807A-5C780925F569}" type="datetimeFigureOut">
               <a:rPr kumimoji="1" lang="ja-JP" altLang="en-US" smtClean="0"/>
-              <a:t>2025/1/20</a:t>
+              <a:t>2025/1/21</a:t>
             </a:fld>
             <a:endParaRPr kumimoji="1" lang="ja-JP" altLang="en-US"/>
           </a:p>
@@ -2497,7 +2497,7 @@
           <a:p>
             <a:fld id="{3A4C0ADF-BAED-4B27-807A-5C780925F569}" type="datetimeFigureOut">
               <a:rPr kumimoji="1" lang="ja-JP" altLang="en-US" smtClean="0"/>
-              <a:t>2025/1/20</a:t>
+              <a:t>2025/1/21</a:t>
             </a:fld>
             <a:endParaRPr kumimoji="1" lang="ja-JP" altLang="en-US"/>
           </a:p>
@@ -2804,7 +2804,7 @@
           <a:p>
             <a:fld id="{3A4C0ADF-BAED-4B27-807A-5C780925F569}" type="datetimeFigureOut">
               <a:rPr kumimoji="1" lang="ja-JP" altLang="en-US" smtClean="0"/>
-              <a:t>2025/1/20</a:t>
+              <a:t>2025/1/21</a:t>
             </a:fld>
             <a:endParaRPr kumimoji="1" lang="ja-JP" altLang="en-US"/>
           </a:p>
@@ -3056,7 +3056,7 @@
           <a:p>
             <a:fld id="{3A4C0ADF-BAED-4B27-807A-5C780925F569}" type="datetimeFigureOut">
               <a:rPr kumimoji="1" lang="ja-JP" altLang="en-US" smtClean="0"/>
-              <a:t>2025/1/20</a:t>
+              <a:t>2025/1/21</a:t>
             </a:fld>
             <a:endParaRPr kumimoji="1" lang="ja-JP" altLang="en-US"/>
           </a:p>
@@ -3299,7 +3299,7 @@
           <a:p>
             <a:fld id="{3A4C0ADF-BAED-4B27-807A-5C780925F569}" type="datetimeFigureOut">
               <a:rPr kumimoji="1" lang="ja-JP" altLang="en-US" smtClean="0"/>
-              <a:t>2025/1/20</a:t>
+              <a:t>2025/1/21</a:t>
             </a:fld>
             <a:endParaRPr kumimoji="1" lang="ja-JP" altLang="en-US"/>
           </a:p>
@@ -3712,14 +3712,14 @@
         </p:nvSpPr>
         <p:spPr>
           <a:xfrm>
-            <a:off x="1" y="-372"/>
-            <a:ext cx="5169528" cy="2209418"/>
+            <a:off x="0" y="-372"/>
+            <a:ext cx="4614041" cy="1734579"/>
           </a:xfrm>
           <a:prstGeom prst="rect">
             <a:avLst/>
           </a:prstGeom>
           <a:solidFill>
-            <a:srgbClr val="FF00FF"/>
+            <a:srgbClr val="F3A3F3"/>
           </a:solidFill>
           <a:ln>
             <a:solidFill>
@@ -3774,8 +3774,8 @@
         </p:blipFill>
         <p:spPr>
           <a:xfrm>
-            <a:off x="881938" y="143253"/>
-            <a:ext cx="3267879" cy="2666871"/>
+            <a:off x="330662" y="-6290"/>
+            <a:ext cx="4045405" cy="2666871"/>
           </a:xfrm>
           <a:prstGeom prst="rect">
             <a:avLst/>
@@ -3790,8 +3790,8 @@
         </p:nvSpPr>
         <p:spPr>
           <a:xfrm>
-            <a:off x="593262" y="1810796"/>
-            <a:ext cx="5302251" cy="369332"/>
+            <a:off x="5308199" y="1258645"/>
+            <a:ext cx="5376371" cy="461665"/>
           </a:xfrm>
           <a:prstGeom prst="rect">
             <a:avLst/>
@@ -3805,16 +3805,28 @@
           <a:lstStyle/>
           <a:p>
             <a:r>
+              <a:rPr lang="ja-JP" altLang="en-US" sz="2400" b="1" dirty="0"/>
+              <a:t>クリエイタ学科 </a:t>
+            </a:r>
+            <a:r>
+              <a:rPr lang="en-US" altLang="ja-JP" sz="2400" b="1" dirty="0"/>
+              <a:t>1</a:t>
+            </a:r>
+            <a:r>
+              <a:rPr lang="ja-JP" altLang="en-US" sz="2400" b="1" dirty="0"/>
+              <a:t>年 </a:t>
+            </a:r>
+            <a:r>
+              <a:rPr lang="ja-JP" altLang="en-US" sz="2400" b="1" dirty="0" smtClean="0"/>
+              <a:t> 河野</a:t>
+            </a:r>
+            <a:r>
+              <a:rPr lang="ja-JP" altLang="en-US" sz="2400" b="1" dirty="0"/>
+              <a:t>、岸、石塚</a:t>
+            </a:r>
+            <a:r>
               <a:rPr lang="ja-JP" altLang="en-US" b="1" dirty="0"/>
-              <a:t>クリエイタ学科 </a:t>
-            </a:r>
-            <a:r>
-              <a:rPr lang="en-US" altLang="ja-JP" b="1" dirty="0"/>
-              <a:t>1</a:t>
-            </a:r>
-            <a:r>
-              <a:rPr lang="ja-JP" altLang="en-US" b="1" dirty="0"/>
-              <a:t>年 河野、岸、石塚　</a:t>
+              <a:t>　</a:t>
             </a:r>
             <a:r>
               <a:rPr lang="ja-JP" altLang="en-US" dirty="0"/>
@@ -3832,8 +3844,8 @@
         </p:nvSpPr>
         <p:spPr>
           <a:xfrm>
-            <a:off x="629038" y="2377673"/>
-            <a:ext cx="5298622" cy="461665"/>
+            <a:off x="869451" y="2619910"/>
+            <a:ext cx="5465653" cy="523220"/>
           </a:xfrm>
           <a:prstGeom prst="rect">
             <a:avLst/>
@@ -3847,26 +3859,30 @@
           <a:lstStyle/>
           <a:p>
             <a:r>
-              <a:rPr lang="ja-JP" altLang="en-US" sz="2400" b="1" i="1" dirty="0"/>
-              <a:t>「遊び方」</a:t>
-            </a:r>
-            <a:r>
-              <a:rPr lang="ja-JP" altLang="en-US" sz="2400" b="1" dirty="0"/>
-              <a:t> </a:t>
-            </a:r>
-            <a:r>
-              <a:rPr lang="en-US" altLang="ja-JP" sz="2400" b="1" dirty="0"/>
+              <a:rPr lang="ja-JP" altLang="en-US" sz="2800" b="1" i="1" dirty="0"/>
+              <a:t>「遊び方</a:t>
+            </a:r>
+            <a:r>
+              <a:rPr lang="ja-JP" altLang="en-US" sz="2800" b="1" i="1" dirty="0" smtClean="0"/>
+              <a:t>」</a:t>
+            </a:r>
+            <a:r>
+              <a:rPr lang="en-US" altLang="ja-JP" sz="2400" b="1" dirty="0" smtClean="0"/>
               <a:t>…</a:t>
             </a:r>
             <a:r>
-              <a:rPr lang="ja-JP" altLang="en-US" sz="2400" b="1" dirty="0"/>
-              <a:t>　</a:t>
-            </a:r>
-            <a:r>
-              <a:rPr lang="ja-JP" altLang="en-US" sz="2400" dirty="0"/>
-              <a:t>マウスの左クリック</a:t>
-            </a:r>
-            <a:endParaRPr kumimoji="1" lang="ja-JP" altLang="en-US" sz="2400" dirty="0"/>
+              <a:rPr lang="ja-JP" altLang="en-US" sz="2400" b="1" dirty="0" smtClean="0"/>
+              <a:t>  </a:t>
+            </a:r>
+            <a:r>
+              <a:rPr lang="ja-JP" altLang="en-US" sz="2200" dirty="0" smtClean="0"/>
+              <a:t>マウス</a:t>
+            </a:r>
+            <a:r>
+              <a:rPr lang="ja-JP" altLang="en-US" sz="2200" dirty="0"/>
+              <a:t>の左クリック</a:t>
+            </a:r>
+            <a:endParaRPr kumimoji="1" lang="ja-JP" altLang="en-US" sz="2200" dirty="0"/>
           </a:p>
         </p:txBody>
       </p:sp>
@@ -3892,7 +3908,7 @@
         </p:blipFill>
         <p:spPr>
           <a:xfrm>
-            <a:off x="881938" y="4052116"/>
+            <a:off x="861603" y="3939595"/>
             <a:ext cx="4117207" cy="2543361"/>
           </a:xfrm>
           <a:prstGeom prst="rect">
@@ -3907,6 +3923,7 @@
                 <a:alpha val="70000"/>
               </a:srgbClr>
             </a:outerShdw>
+            <a:softEdge rad="31750"/>
           </a:effectLst>
         </p:spPr>
       </p:pic>
@@ -3918,7 +3935,7 @@
         </p:nvSpPr>
         <p:spPr>
           <a:xfrm>
-            <a:off x="6530413" y="5031410"/>
+            <a:off x="6530413" y="4626502"/>
             <a:ext cx="5661587" cy="584775"/>
           </a:xfrm>
           <a:prstGeom prst="rect">
@@ -3998,7 +4015,7 @@
         </p:blipFill>
         <p:spPr>
           <a:xfrm>
-            <a:off x="7243962" y="2328955"/>
+            <a:off x="7358720" y="1971653"/>
             <a:ext cx="4234487" cy="2543361"/>
           </a:xfrm>
           <a:prstGeom prst="rect">
@@ -4013,6 +4030,7 @@
                 <a:alpha val="70000"/>
               </a:srgbClr>
             </a:outerShdw>
+            <a:softEdge rad="31750"/>
           </a:effectLst>
         </p:spPr>
       </p:pic>
@@ -4024,8 +4042,8 @@
         </p:nvSpPr>
         <p:spPr>
           <a:xfrm>
-            <a:off x="6082618" y="5775279"/>
-            <a:ext cx="5661587" cy="707886"/>
+            <a:off x="6311317" y="5211276"/>
+            <a:ext cx="5661587" cy="646331"/>
           </a:xfrm>
           <a:prstGeom prst="rect">
             <a:avLst/>
@@ -4040,18 +4058,38 @@
           <a:p>
             <a:pPr algn="ctr"/>
             <a:r>
-              <a:rPr lang="ja-JP" altLang="en-US" sz="2000" dirty="0"/>
-              <a:t>ショップで様々な効果を持ったアイテムを</a:t>
-            </a:r>
-            <a:endParaRPr lang="en-US" altLang="ja-JP" sz="2000" dirty="0"/>
+              <a:rPr lang="ja-JP" altLang="en-US" dirty="0"/>
+              <a:t>ショップ</a:t>
+            </a:r>
+            <a:r>
+              <a:rPr lang="ja-JP" altLang="en-US" dirty="0" smtClean="0"/>
+              <a:t>で</a:t>
+            </a:r>
+            <a:r>
+              <a:rPr lang="ja-JP" altLang="en-US" dirty="0"/>
+              <a:t>強力</a:t>
+            </a:r>
+            <a:r>
+              <a:rPr lang="ja-JP" altLang="en-US" dirty="0" smtClean="0"/>
+              <a:t>な</a:t>
+            </a:r>
+            <a:r>
+              <a:rPr lang="ja-JP" altLang="en-US" dirty="0"/>
+              <a:t>効果を持ったアイテムを</a:t>
+            </a:r>
+            <a:endParaRPr lang="en-US" altLang="ja-JP" dirty="0"/>
           </a:p>
           <a:p>
             <a:pPr algn="ctr"/>
             <a:r>
-              <a:rPr lang="ja-JP" altLang="en-US" sz="2000" dirty="0"/>
-              <a:t>購入して自分を強化しよう！</a:t>
-            </a:r>
-            <a:endParaRPr kumimoji="1" lang="ja-JP" altLang="en-US" sz="2000" dirty="0"/>
+              <a:rPr lang="ja-JP" altLang="en-US" dirty="0"/>
+              <a:t>購入して自分を強化しよう</a:t>
+            </a:r>
+            <a:r>
+              <a:rPr lang="ja-JP" altLang="en-US" dirty="0" smtClean="0"/>
+              <a:t>！</a:t>
+            </a:r>
+            <a:endParaRPr lang="en-US" altLang="ja-JP" dirty="0" smtClean="0"/>
           </a:p>
         </p:txBody>
       </p:sp>
@@ -4069,8 +4107,8 @@
         </p:nvSpPr>
         <p:spPr>
           <a:xfrm>
-            <a:off x="289284" y="3013350"/>
-            <a:ext cx="6109382" cy="923330"/>
+            <a:off x="5197906" y="6194578"/>
+            <a:ext cx="7183571" cy="523220"/>
           </a:xfrm>
           <a:prstGeom prst="rect">
             <a:avLst/>
@@ -4084,17 +4122,7 @@
           <a:lstStyle/>
           <a:p>
             <a:r>
-              <a:rPr kumimoji="1" lang="ja-JP" altLang="en-US" sz="2000" dirty="0"/>
-              <a:t>　ステージを進めば敵はどんどん強くなっていく</a:t>
-            </a:r>
-            <a:endParaRPr kumimoji="1" lang="en-US" altLang="ja-JP" sz="2000" dirty="0"/>
-          </a:p>
-          <a:p>
-            <a:endParaRPr kumimoji="1" lang="en-US" altLang="ja-JP" sz="1000" dirty="0"/>
-          </a:p>
-          <a:p>
-            <a:r>
-              <a:rPr lang="ja-JP" altLang="en-US" sz="2400" dirty="0">
+              <a:rPr lang="ja-JP" altLang="en-US" sz="2800" b="1" dirty="0" smtClean="0">
                 <a:ln>
                   <a:solidFill>
                     <a:srgbClr val="C00000"/>
@@ -4111,9 +4139,29 @@
                   </a:outerShdw>
                 </a:effectLst>
               </a:rPr>
-              <a:t>きみは最後のボスまでクリアできるかな？</a:t>
-            </a:r>
-            <a:endParaRPr kumimoji="1" lang="ja-JP" altLang="en-US" sz="2400" dirty="0">
+              <a:t>きみ</a:t>
+            </a:r>
+            <a:r>
+              <a:rPr lang="ja-JP" altLang="en-US" sz="2800" b="1" dirty="0">
+                <a:ln>
+                  <a:solidFill>
+                    <a:srgbClr val="C00000"/>
+                  </a:solidFill>
+                </a:ln>
+                <a:solidFill>
+                  <a:srgbClr val="FF0000"/>
+                </a:solidFill>
+                <a:effectLst>
+                  <a:outerShdw blurRad="50800" dist="38100" dir="16200000" rotWithShape="0">
+                    <a:prstClr val="black">
+                      <a:alpha val="40000"/>
+                    </a:prstClr>
+                  </a:outerShdw>
+                </a:effectLst>
+              </a:rPr>
+              <a:t>は最後のボスまでクリアできるかな？</a:t>
+            </a:r>
+            <a:endParaRPr kumimoji="1" lang="ja-JP" altLang="en-US" sz="2800" b="1" dirty="0">
               <a:ln>
                 <a:solidFill>
                   <a:srgbClr val="C00000"/>
@@ -4133,186 +4181,172 @@
           </a:p>
         </p:txBody>
       </p:sp>
-      <p:pic>
-        <p:nvPicPr>
-          <p:cNvPr id="9" name="図 8">
-            <a:extLst>
-              <a:ext uri="{FF2B5EF4-FFF2-40B4-BE49-F238E27FC236}">
-                <a16:creationId xmlns:a16="http://schemas.microsoft.com/office/drawing/2014/main" id="{A03494C6-B123-D2E5-B164-D2BBBEC240B0}"/>
-              </a:ext>
-            </a:extLst>
-          </p:cNvPr>
-          <p:cNvPicPr>
-            <a:picLocks noChangeAspect="1"/>
-          </p:cNvPicPr>
+      <p:sp>
+        <p:nvSpPr>
+          <p:cNvPr id="3" name="正方形/長方形 2"/>
+          <p:cNvSpPr/>
           <p:nvPr/>
-        </p:nvPicPr>
-        <p:blipFill>
-          <a:blip r:embed="rId6">
-            <a:extLst>
-              <a:ext uri="{28A0092B-C50C-407E-A947-70E740481C1C}">
-                <a14:useLocalDpi xmlns:a14="http://schemas.microsoft.com/office/drawing/2010/main" val="0"/>
-              </a:ext>
-            </a:extLst>
-          </a:blip>
-          <a:stretch>
-            <a:fillRect/>
-          </a:stretch>
-        </p:blipFill>
+        </p:nvSpPr>
         <p:spPr>
           <a:xfrm>
-            <a:off x="10792904" y="556270"/>
-            <a:ext cx="685545" cy="685545"/>
+            <a:off x="432180" y="3373170"/>
+            <a:ext cx="5955476" cy="369332"/>
           </a:xfrm>
           <a:prstGeom prst="rect">
             <a:avLst/>
           </a:prstGeom>
         </p:spPr>
-      </p:pic>
-      <p:pic>
-        <p:nvPicPr>
-          <p:cNvPr id="14" name="図 13">
-            <a:extLst>
-              <a:ext uri="{FF2B5EF4-FFF2-40B4-BE49-F238E27FC236}">
-                <a16:creationId xmlns:a16="http://schemas.microsoft.com/office/drawing/2014/main" id="{C82902AF-D6C6-4F47-F066-79AC84616DB0}"/>
-              </a:ext>
-            </a:extLst>
-          </p:cNvPr>
-          <p:cNvPicPr>
-            <a:picLocks noChangeAspect="1"/>
-          </p:cNvPicPr>
+        <p:txBody>
+          <a:bodyPr wrap="none">
+            <a:spAutoFit/>
+          </a:bodyPr>
+          <a:lstStyle/>
+          <a:p>
+            <a:r>
+              <a:rPr lang="ja-JP" altLang="en-US" b="1" dirty="0"/>
+              <a:t>ステージを</a:t>
+            </a:r>
+            <a:r>
+              <a:rPr lang="ja-JP" altLang="en-US" b="1" dirty="0" smtClean="0"/>
+              <a:t>進めば進むほど敵</a:t>
+            </a:r>
+            <a:r>
+              <a:rPr lang="ja-JP" altLang="en-US" b="1" dirty="0"/>
+              <a:t>はどんどん強くなって</a:t>
+            </a:r>
+            <a:r>
+              <a:rPr lang="ja-JP" altLang="en-US" b="1" dirty="0" smtClean="0"/>
+              <a:t>いく</a:t>
+            </a:r>
+            <a:endParaRPr lang="en-US" altLang="ja-JP" b="1" dirty="0" smtClean="0"/>
+          </a:p>
+        </p:txBody>
+      </p:sp>
+      <p:sp>
+        <p:nvSpPr>
+          <p:cNvPr id="17" name="テキスト ボックス 16"/>
+          <p:cNvSpPr txBox="1"/>
           <p:nvPr/>
-        </p:nvPicPr>
-        <p:blipFill>
-          <a:blip r:embed="rId7">
-            <a:extLst>
-              <a:ext uri="{28A0092B-C50C-407E-A947-70E740481C1C}">
-                <a14:useLocalDpi xmlns:a14="http://schemas.microsoft.com/office/drawing/2010/main" val="0"/>
-              </a:ext>
-            </a:extLst>
-          </a:blip>
-          <a:stretch>
-            <a:fillRect/>
-          </a:stretch>
-        </p:blipFill>
+        </p:nvSpPr>
         <p:spPr>
           <a:xfrm>
-            <a:off x="9306863" y="810700"/>
-            <a:ext cx="1000096" cy="1000096"/>
+            <a:off x="-287863" y="1826449"/>
+            <a:ext cx="7764584" cy="646331"/>
           </a:xfrm>
           <a:prstGeom prst="rect">
             <a:avLst/>
           </a:prstGeom>
+          <a:noFill/>
+          <a:ln>
+            <a:noFill/>
+          </a:ln>
+          <a:effectLst/>
         </p:spPr>
-      </p:pic>
-      <p:pic>
-        <p:nvPicPr>
-          <p:cNvPr id="16" name="図 15">
-            <a:extLst>
-              <a:ext uri="{FF2B5EF4-FFF2-40B4-BE49-F238E27FC236}">
-                <a16:creationId xmlns:a16="http://schemas.microsoft.com/office/drawing/2014/main" id="{DA49824F-59DE-ED60-FBAF-19C898B27D49}"/>
-              </a:ext>
-            </a:extLst>
-          </p:cNvPr>
-          <p:cNvPicPr>
-            <a:picLocks noChangeAspect="1"/>
-          </p:cNvPicPr>
+        <p:txBody>
+          <a:bodyPr wrap="square" rtlCol="0">
+            <a:spAutoFit/>
+          </a:bodyPr>
+          <a:lstStyle/>
+          <a:p>
+            <a:pPr algn="ctr"/>
+            <a:r>
+              <a:rPr lang="ja-JP" altLang="en-US" sz="3600" i="1" dirty="0" smtClean="0">
+                <a:ln>
+                  <a:solidFill>
+                    <a:srgbClr val="FF00FF"/>
+                  </a:solidFill>
+                </a:ln>
+                <a:solidFill>
+                  <a:srgbClr val="FF00FF"/>
+                </a:solidFill>
+                <a:effectLst>
+                  <a:glow rad="228600">
+                    <a:schemeClr val="accent4">
+                      <a:satMod val="175000"/>
+                      <a:alpha val="40000"/>
+                    </a:schemeClr>
+                  </a:glow>
+                  <a:outerShdw blurRad="50800" dist="38100" dir="5400000" algn="t" rotWithShape="0">
+                    <a:prstClr val="black">
+                      <a:alpha val="40000"/>
+                    </a:prstClr>
+                  </a:outerShdw>
+                </a:effectLst>
+              </a:rPr>
+              <a:t>一攫千金を目指して突き進め！！</a:t>
+            </a:r>
+            <a:endParaRPr kumimoji="1" lang="ja-JP" altLang="en-US" sz="3600" dirty="0">
+              <a:ln>
+                <a:solidFill>
+                  <a:srgbClr val="FF00FF"/>
+                </a:solidFill>
+              </a:ln>
+              <a:solidFill>
+                <a:srgbClr val="FF00FF"/>
+              </a:solidFill>
+              <a:effectLst>
+                <a:glow rad="228600">
+                  <a:schemeClr val="accent4">
+                    <a:satMod val="175000"/>
+                    <a:alpha val="40000"/>
+                  </a:schemeClr>
+                </a:glow>
+                <a:outerShdw blurRad="50800" dist="38100" dir="5400000" algn="t" rotWithShape="0">
+                  <a:prstClr val="black">
+                    <a:alpha val="40000"/>
+                  </a:prstClr>
+                </a:outerShdw>
+              </a:effectLst>
+            </a:endParaRPr>
+          </a:p>
+        </p:txBody>
+      </p:sp>
+      <p:sp>
+        <p:nvSpPr>
+          <p:cNvPr id="13" name="テキスト ボックス 12"/>
+          <p:cNvSpPr txBox="1"/>
           <p:nvPr/>
-        </p:nvPicPr>
-        <p:blipFill>
-          <a:blip r:embed="rId8">
-            <a:extLst>
-              <a:ext uri="{28A0092B-C50C-407E-A947-70E740481C1C}">
-                <a14:useLocalDpi xmlns:a14="http://schemas.microsoft.com/office/drawing/2010/main" val="0"/>
-              </a:ext>
-            </a:extLst>
-          </a:blip>
-          <a:stretch>
-            <a:fillRect/>
-          </a:stretch>
-        </p:blipFill>
+        </p:nvSpPr>
         <p:spPr>
           <a:xfrm>
-            <a:off x="6687555" y="1062795"/>
-            <a:ext cx="957300" cy="957300"/>
+            <a:off x="4994592" y="294627"/>
+            <a:ext cx="6003587" cy="400110"/>
           </a:xfrm>
           <a:prstGeom prst="rect">
             <a:avLst/>
           </a:prstGeom>
+          <a:noFill/>
         </p:spPr>
-      </p:pic>
-      <p:pic>
-        <p:nvPicPr>
-          <p:cNvPr id="18" name="図 17">
-            <a:extLst>
-              <a:ext uri="{FF2B5EF4-FFF2-40B4-BE49-F238E27FC236}">
-                <a16:creationId xmlns:a16="http://schemas.microsoft.com/office/drawing/2014/main" id="{BD398FD5-D8D2-4E69-7CDA-896D0DB514B6}"/>
-              </a:ext>
-            </a:extLst>
-          </p:cNvPr>
-          <p:cNvPicPr>
-            <a:picLocks noChangeAspect="1"/>
-          </p:cNvPicPr>
-          <p:nvPr/>
-        </p:nvPicPr>
-        <p:blipFill>
-          <a:blip r:embed="rId9">
-            <a:extLst>
-              <a:ext uri="{28A0092B-C50C-407E-A947-70E740481C1C}">
-                <a14:useLocalDpi xmlns:a14="http://schemas.microsoft.com/office/drawing/2010/main" val="0"/>
-              </a:ext>
-            </a:extLst>
-          </a:blip>
-          <a:stretch>
-            <a:fillRect/>
-          </a:stretch>
-        </p:blipFill>
-        <p:spPr>
-          <a:xfrm>
-            <a:off x="5508923" y="151671"/>
-            <a:ext cx="1043793" cy="1043793"/>
-          </a:xfrm>
-          <a:prstGeom prst="rect">
-            <a:avLst/>
-          </a:prstGeom>
-        </p:spPr>
-      </p:pic>
-      <p:pic>
-        <p:nvPicPr>
-          <p:cNvPr id="20" name="図 19">
-            <a:extLst>
-              <a:ext uri="{FF2B5EF4-FFF2-40B4-BE49-F238E27FC236}">
-                <a16:creationId xmlns:a16="http://schemas.microsoft.com/office/drawing/2014/main" id="{790BF932-F460-0C04-9BED-3D8BE26263DA}"/>
-              </a:ext>
-            </a:extLst>
-          </p:cNvPr>
-          <p:cNvPicPr>
-            <a:picLocks noChangeAspect="1"/>
-          </p:cNvPicPr>
-          <p:nvPr/>
-        </p:nvPicPr>
-        <p:blipFill>
-          <a:blip r:embed="rId10">
-            <a:extLst>
-              <a:ext uri="{28A0092B-C50C-407E-A947-70E740481C1C}">
-                <a14:useLocalDpi xmlns:a14="http://schemas.microsoft.com/office/drawing/2010/main" val="0"/>
-              </a:ext>
-            </a:extLst>
-          </a:blip>
-          <a:stretch>
-            <a:fillRect/>
-          </a:stretch>
-        </p:blipFill>
-        <p:spPr>
-          <a:xfrm>
-            <a:off x="7869617" y="432894"/>
-            <a:ext cx="1043794" cy="1043794"/>
-          </a:xfrm>
-          <a:prstGeom prst="rect">
-            <a:avLst/>
-          </a:prstGeom>
-        </p:spPr>
-      </p:pic>
+        <p:txBody>
+          <a:bodyPr wrap="square" rtlCol="0">
+            <a:spAutoFit/>
+          </a:bodyPr>
+          <a:lstStyle/>
+          <a:p>
+            <a:r>
+              <a:rPr lang="ja-JP" altLang="en-US" sz="2000" dirty="0" smtClean="0"/>
+              <a:t>ゲームジャンル</a:t>
+            </a:r>
+            <a:r>
+              <a:rPr lang="en-US" altLang="ja-JP" sz="2000" dirty="0" smtClean="0"/>
+              <a:t>…</a:t>
+            </a:r>
+            <a:r>
+              <a:rPr lang="ja-JP" altLang="en-US" sz="2000" dirty="0" smtClean="0"/>
+              <a:t>ローグライクアクションゲーム</a:t>
+            </a:r>
+            <a:r>
+              <a:rPr lang="ja-JP" altLang="en-US" b="1" dirty="0"/>
+              <a:t>　</a:t>
+            </a:r>
+            <a:r>
+              <a:rPr lang="ja-JP" altLang="en-US" dirty="0"/>
+              <a:t>　</a:t>
+            </a:r>
+            <a:endParaRPr kumimoji="1" lang="ja-JP" altLang="en-US" dirty="0"/>
+          </a:p>
+        </p:txBody>
+      </p:sp>
     </p:spTree>
     <p:extLst>
       <p:ext uri="{BB962C8B-B14F-4D97-AF65-F5344CB8AC3E}">
@@ -4323,6 +4357,13 @@
   <p:clrMapOvr>
     <a:masterClrMapping/>
   </p:clrMapOvr>
+  <p:timing>
+    <p:tnLst>
+      <p:par>
+        <p:cTn id="1" dur="indefinite" restart="never" nodeType="tmRoot"/>
+      </p:par>
+    </p:tnLst>
+  </p:timing>
 </p:sld>
 </file>
 

--- a/Neotopia.pptx
+++ b/Neotopia.pptx
@@ -3712,14 +3712,14 @@
         </p:nvSpPr>
         <p:spPr>
           <a:xfrm>
-            <a:off x="0" y="-372"/>
-            <a:ext cx="4614041" cy="1734579"/>
+            <a:off x="1" y="-372"/>
+            <a:ext cx="4309450" cy="1734579"/>
           </a:xfrm>
           <a:prstGeom prst="rect">
             <a:avLst/>
           </a:prstGeom>
           <a:solidFill>
-            <a:srgbClr val="F3A3F3"/>
+            <a:srgbClr val="FF66FF"/>
           </a:solidFill>
           <a:ln>
             <a:solidFill>
@@ -3774,7 +3774,7 @@
         </p:blipFill>
         <p:spPr>
           <a:xfrm>
-            <a:off x="330662" y="-6290"/>
+            <a:off x="112301" y="0"/>
             <a:ext cx="4045405" cy="2666871"/>
           </a:xfrm>
           <a:prstGeom prst="rect">
@@ -3790,8 +3790,8 @@
         </p:nvSpPr>
         <p:spPr>
           <a:xfrm>
-            <a:off x="5308199" y="1258645"/>
-            <a:ext cx="5376371" cy="461665"/>
+            <a:off x="8489853" y="6181444"/>
+            <a:ext cx="3492102" cy="584775"/>
           </a:xfrm>
           <a:prstGeom prst="rect">
             <a:avLst/>
@@ -3805,34 +3805,37 @@
           <a:lstStyle/>
           <a:p>
             <a:r>
-              <a:rPr lang="ja-JP" altLang="en-US" sz="2400" b="1" dirty="0"/>
-              <a:t>クリエイタ学科 </a:t>
-            </a:r>
-            <a:r>
-              <a:rPr lang="en-US" altLang="ja-JP" sz="2400" b="1" dirty="0"/>
+              <a:rPr lang="ja-JP" altLang="en-US" sz="1600" b="1" dirty="0"/>
+              <a:t>　　　クリエイタ学科 </a:t>
+            </a:r>
+            <a:r>
+              <a:rPr lang="en-US" altLang="ja-JP" sz="1600" b="1" dirty="0"/>
               <a:t>1</a:t>
             </a:r>
             <a:r>
-              <a:rPr lang="ja-JP" altLang="en-US" sz="2400" b="1" dirty="0"/>
-              <a:t>年 </a:t>
-            </a:r>
-            <a:r>
-              <a:rPr lang="ja-JP" altLang="en-US" sz="2400" b="1" dirty="0" smtClean="0"/>
-              <a:t> 河野</a:t>
-            </a:r>
-            <a:r>
-              <a:rPr lang="ja-JP" altLang="en-US" sz="2400" b="1" dirty="0"/>
-              <a:t>、岸、石塚</a:t>
-            </a:r>
-            <a:r>
-              <a:rPr lang="ja-JP" altLang="en-US" b="1" dirty="0"/>
+              <a:rPr lang="ja-JP" altLang="en-US" sz="1600" b="1" dirty="0"/>
+              <a:t>年 岸、石塚</a:t>
+            </a:r>
+            <a:endParaRPr lang="en-US" altLang="ja-JP" sz="1600" b="1" dirty="0"/>
+          </a:p>
+          <a:p>
+            <a:r>
+              <a:rPr lang="ja-JP" altLang="en-US" sz="1600" b="1" dirty="0"/>
+              <a:t>情報クリエイタ工学科 </a:t>
+            </a:r>
+            <a:r>
+              <a:rPr lang="en-US" altLang="ja-JP" sz="1600" b="1" dirty="0"/>
+              <a:t>1</a:t>
+            </a:r>
+            <a:r>
+              <a:rPr lang="ja-JP" altLang="en-US" sz="1600" b="1" dirty="0"/>
+              <a:t>年 河野</a:t>
+            </a:r>
+            <a:r>
+              <a:rPr lang="ja-JP" altLang="en-US" sz="1600" dirty="0"/>
               <a:t>　</a:t>
             </a:r>
-            <a:r>
-              <a:rPr lang="ja-JP" altLang="en-US" dirty="0"/>
-              <a:t>　</a:t>
-            </a:r>
-            <a:endParaRPr kumimoji="1" lang="ja-JP" altLang="en-US" dirty="0"/>
+            <a:endParaRPr kumimoji="1" lang="ja-JP" altLang="en-US" sz="1600" dirty="0"/>
           </a:p>
         </p:txBody>
       </p:sp>
@@ -3844,8 +3847,8 @@
         </p:nvSpPr>
         <p:spPr>
           <a:xfrm>
-            <a:off x="869451" y="2619910"/>
-            <a:ext cx="5465653" cy="523220"/>
+            <a:off x="552121" y="6298781"/>
+            <a:ext cx="5465653" cy="461665"/>
           </a:xfrm>
           <a:prstGeom prst="rect">
             <a:avLst/>
@@ -3859,28 +3862,20 @@
           <a:lstStyle/>
           <a:p>
             <a:r>
-              <a:rPr lang="ja-JP" altLang="en-US" sz="2800" b="1" i="1" dirty="0"/>
-              <a:t>「遊び方</a:t>
-            </a:r>
-            <a:r>
-              <a:rPr lang="ja-JP" altLang="en-US" sz="2800" b="1" i="1" dirty="0" smtClean="0"/>
-              <a:t>」</a:t>
-            </a:r>
-            <a:r>
-              <a:rPr lang="en-US" altLang="ja-JP" sz="2400" b="1" dirty="0" smtClean="0"/>
+              <a:rPr lang="ja-JP" altLang="en-US" sz="2400" b="1" dirty="0"/>
+              <a:t>「遊び方」</a:t>
+            </a:r>
+            <a:r>
+              <a:rPr lang="en-US" altLang="ja-JP" sz="2400" b="1" dirty="0"/>
               <a:t>…</a:t>
             </a:r>
             <a:r>
-              <a:rPr lang="ja-JP" altLang="en-US" sz="2400" b="1" dirty="0" smtClean="0"/>
+              <a:rPr lang="ja-JP" altLang="en-US" sz="2400" b="1" dirty="0"/>
               <a:t>  </a:t>
             </a:r>
             <a:r>
-              <a:rPr lang="ja-JP" altLang="en-US" sz="2200" dirty="0" smtClean="0"/>
-              <a:t>マウス</a:t>
-            </a:r>
-            <a:r>
               <a:rPr lang="ja-JP" altLang="en-US" sz="2200" dirty="0"/>
-              <a:t>の左クリック</a:t>
+              <a:t>マウスの左クリック</a:t>
             </a:r>
             <a:endParaRPr kumimoji="1" lang="ja-JP" altLang="en-US" sz="2200" dirty="0"/>
           </a:p>
@@ -3908,7 +3903,7 @@
         </p:blipFill>
         <p:spPr>
           <a:xfrm>
-            <a:off x="861603" y="3939595"/>
+            <a:off x="835536" y="3672896"/>
             <a:ext cx="4117207" cy="2543361"/>
           </a:xfrm>
           <a:prstGeom prst="rect">
@@ -3935,7 +3930,7 @@
         </p:nvSpPr>
         <p:spPr>
           <a:xfrm>
-            <a:off x="6530413" y="4626502"/>
+            <a:off x="312253" y="1875331"/>
             <a:ext cx="5661587" cy="584775"/>
           </a:xfrm>
           <a:prstGeom prst="rect">
@@ -4015,7 +4010,7 @@
         </p:blipFill>
         <p:spPr>
           <a:xfrm>
-            <a:off x="7358720" y="1971653"/>
+            <a:off x="6904280" y="1927910"/>
             <a:ext cx="4234487" cy="2543361"/>
           </a:xfrm>
           <a:prstGeom prst="rect">
@@ -4042,8 +4037,8 @@
         </p:nvSpPr>
         <p:spPr>
           <a:xfrm>
-            <a:off x="6311317" y="5211276"/>
-            <a:ext cx="5661587" cy="646331"/>
+            <a:off x="-256215" y="2911283"/>
+            <a:ext cx="6798522" cy="769441"/>
           </a:xfrm>
           <a:prstGeom prst="rect">
             <a:avLst/>
@@ -4058,38 +4053,30 @@
           <a:p>
             <a:pPr algn="ctr"/>
             <a:r>
+              <a:rPr lang="ja-JP" altLang="en-US" b="1" dirty="0">
+                <a:solidFill>
+                  <a:srgbClr val="FF0000"/>
+                </a:solidFill>
+              </a:rPr>
+              <a:t>速く敵を倒せれば</a:t>
+            </a:r>
+            <a:r>
               <a:rPr lang="ja-JP" altLang="en-US" dirty="0"/>
-              <a:t>ショップ</a:t>
-            </a:r>
-            <a:r>
-              <a:rPr lang="ja-JP" altLang="en-US" dirty="0" smtClean="0"/>
-              <a:t>で</a:t>
-            </a:r>
+              <a:t>お金を大量にゲットできる</a:t>
+            </a:r>
+            <a:endParaRPr lang="en-US" altLang="ja-JP" dirty="0"/>
+          </a:p>
+          <a:p>
+            <a:pPr algn="ctr"/>
+            <a:endParaRPr lang="en-US" altLang="ja-JP" sz="800" dirty="0"/>
+          </a:p>
+          <a:p>
+            <a:pPr algn="ctr"/>
             <a:r>
               <a:rPr lang="ja-JP" altLang="en-US" dirty="0"/>
-              <a:t>強力</a:t>
-            </a:r>
-            <a:r>
-              <a:rPr lang="ja-JP" altLang="en-US" dirty="0" smtClean="0"/>
-              <a:t>な</a:t>
-            </a:r>
-            <a:r>
-              <a:rPr lang="ja-JP" altLang="en-US" dirty="0"/>
-              <a:t>効果を持ったアイテムを</a:t>
+              <a:t>アイテムを購入して戦闘を有利にしよう！</a:t>
             </a:r>
             <a:endParaRPr lang="en-US" altLang="ja-JP" dirty="0"/>
-          </a:p>
-          <a:p>
-            <a:pPr algn="ctr"/>
-            <a:r>
-              <a:rPr lang="ja-JP" altLang="en-US" dirty="0"/>
-              <a:t>購入して自分を強化しよう</a:t>
-            </a:r>
-            <a:r>
-              <a:rPr lang="ja-JP" altLang="en-US" dirty="0" smtClean="0"/>
-              <a:t>！</a:t>
-            </a:r>
-            <a:endParaRPr lang="en-US" altLang="ja-JP" dirty="0" smtClean="0"/>
           </a:p>
         </p:txBody>
       </p:sp>
@@ -4107,7 +4094,7 @@
         </p:nvSpPr>
         <p:spPr>
           <a:xfrm>
-            <a:off x="5197906" y="6194578"/>
+            <a:off x="5168039" y="5592452"/>
             <a:ext cx="7183571" cy="523220"/>
           </a:xfrm>
           <a:prstGeom prst="rect">
@@ -4121,26 +4108,6 @@
           </a:bodyPr>
           <a:lstStyle/>
           <a:p>
-            <a:r>
-              <a:rPr lang="ja-JP" altLang="en-US" sz="2800" b="1" dirty="0" smtClean="0">
-                <a:ln>
-                  <a:solidFill>
-                    <a:srgbClr val="C00000"/>
-                  </a:solidFill>
-                </a:ln>
-                <a:solidFill>
-                  <a:srgbClr val="FF0000"/>
-                </a:solidFill>
-                <a:effectLst>
-                  <a:outerShdw blurRad="50800" dist="38100" dir="16200000" rotWithShape="0">
-                    <a:prstClr val="black">
-                      <a:alpha val="40000"/>
-                    </a:prstClr>
-                  </a:outerShdw>
-                </a:effectLst>
-              </a:rPr>
-              <a:t>きみ</a:t>
-            </a:r>
             <a:r>
               <a:rPr lang="ja-JP" altLang="en-US" sz="2800" b="1" dirty="0">
                 <a:ln>
@@ -4159,7 +4126,7 @@
                   </a:outerShdw>
                 </a:effectLst>
               </a:rPr>
-              <a:t>は最後のボスまでクリアできるかな？</a:t>
+              <a:t>きみは最後のボスまでクリアできるかな？</a:t>
             </a:r>
             <a:endParaRPr kumimoji="1" lang="ja-JP" altLang="en-US" sz="2800" b="1" dirty="0">
               <a:ln>
@@ -4189,7 +4156,7 @@
         </p:nvSpPr>
         <p:spPr>
           <a:xfrm>
-            <a:off x="432180" y="3373170"/>
+            <a:off x="307210" y="2460106"/>
             <a:ext cx="5955476" cy="369332"/>
           </a:xfrm>
           <a:prstGeom prst="rect">
@@ -4204,21 +4171,9 @@
           <a:p>
             <a:r>
               <a:rPr lang="ja-JP" altLang="en-US" b="1" dirty="0"/>
-              <a:t>ステージを</a:t>
-            </a:r>
-            <a:r>
-              <a:rPr lang="ja-JP" altLang="en-US" b="1" dirty="0" smtClean="0"/>
-              <a:t>進めば進むほど敵</a:t>
-            </a:r>
-            <a:r>
-              <a:rPr lang="ja-JP" altLang="en-US" b="1" dirty="0"/>
-              <a:t>はどんどん強くなって</a:t>
-            </a:r>
-            <a:r>
-              <a:rPr lang="ja-JP" altLang="en-US" b="1" dirty="0" smtClean="0"/>
-              <a:t>いく</a:t>
-            </a:r>
-            <a:endParaRPr lang="en-US" altLang="ja-JP" b="1" dirty="0" smtClean="0"/>
+              <a:t>ステージを進めば進むほど敵はどんどん強くなっていく</a:t>
+            </a:r>
+            <a:endParaRPr lang="en-US" altLang="ja-JP" b="1" dirty="0"/>
           </a:p>
         </p:txBody>
       </p:sp>
@@ -4230,8 +4185,8 @@
         </p:nvSpPr>
         <p:spPr>
           <a:xfrm>
-            <a:off x="-287863" y="1826449"/>
-            <a:ext cx="7764584" cy="646331"/>
+            <a:off x="4877532" y="4763658"/>
+            <a:ext cx="7764584" cy="584775"/>
           </a:xfrm>
           <a:prstGeom prst="rect">
             <a:avLst/>
@@ -4250,7 +4205,7 @@
           <a:p>
             <a:pPr algn="ctr"/>
             <a:r>
-              <a:rPr lang="ja-JP" altLang="en-US" sz="3600" i="1" dirty="0" smtClean="0">
+              <a:rPr lang="ja-JP" altLang="en-US" sz="3200" i="1" dirty="0">
                 <a:ln>
                   <a:solidFill>
                     <a:srgbClr val="FF00FF"/>
@@ -4260,7 +4215,7 @@
                   <a:srgbClr val="FF00FF"/>
                 </a:solidFill>
                 <a:effectLst>
-                  <a:glow rad="228600">
+                  <a:glow rad="101600">
                     <a:schemeClr val="accent4">
                       <a:satMod val="175000"/>
                       <a:alpha val="40000"/>
@@ -4275,7 +4230,7 @@
               </a:rPr>
               <a:t>一攫千金を目指して突き進め！！</a:t>
             </a:r>
-            <a:endParaRPr kumimoji="1" lang="ja-JP" altLang="en-US" sz="3600" dirty="0">
+            <a:endParaRPr kumimoji="1" lang="ja-JP" altLang="en-US" sz="3200" dirty="0">
               <a:ln>
                 <a:solidFill>
                   <a:srgbClr val="FF00FF"/>
@@ -4285,7 +4240,7 @@
                 <a:srgbClr val="FF00FF"/>
               </a:solidFill>
               <a:effectLst>
-                <a:glow rad="228600">
+                <a:glow rad="101600">
                   <a:schemeClr val="accent4">
                     <a:satMod val="175000"/>
                     <a:alpha val="40000"/>
@@ -4303,14 +4258,97 @@
       </p:sp>
       <p:sp>
         <p:nvSpPr>
-          <p:cNvPr id="13" name="テキスト ボックス 12"/>
+          <p:cNvPr id="14" name="テキスト ボックス 13">
+            <a:extLst>
+              <a:ext uri="{FF2B5EF4-FFF2-40B4-BE49-F238E27FC236}">
+                <a16:creationId xmlns:a16="http://schemas.microsoft.com/office/drawing/2014/main" id="{F5E0E8EB-B087-AA3C-CDD6-6E679B24686A}"/>
+              </a:ext>
+            </a:extLst>
+          </p:cNvPr>
           <p:cNvSpPr txBox="1"/>
           <p:nvPr/>
         </p:nvSpPr>
         <p:spPr>
           <a:xfrm>
-            <a:off x="4994592" y="294627"/>
-            <a:ext cx="6003587" cy="400110"/>
+            <a:off x="4229492" y="293226"/>
+            <a:ext cx="7862278" cy="646331"/>
+          </a:xfrm>
+          <a:prstGeom prst="rect">
+            <a:avLst/>
+          </a:prstGeom>
+          <a:noFill/>
+          <a:ln>
+            <a:noFill/>
+          </a:ln>
+          <a:effectLst/>
+        </p:spPr>
+        <p:txBody>
+          <a:bodyPr wrap="square" rtlCol="0">
+            <a:spAutoFit/>
+          </a:bodyPr>
+          <a:lstStyle/>
+          <a:p>
+            <a:pPr algn="ctr"/>
+            <a:r>
+              <a:rPr lang="ja-JP" altLang="en-US" sz="3600" b="1" i="1" dirty="0">
+                <a:ln w="0"/>
+                <a:solidFill>
+                  <a:srgbClr val="FF00FF"/>
+                </a:solidFill>
+                <a:effectLst>
+                  <a:glow rad="228600">
+                    <a:schemeClr val="accent4">
+                      <a:satMod val="175000"/>
+                      <a:alpha val="40000"/>
+                    </a:schemeClr>
+                  </a:glow>
+                  <a:outerShdw blurRad="38100" dist="25400" dir="5400000" algn="ctr" rotWithShape="0">
+                    <a:srgbClr val="6E747A">
+                      <a:alpha val="43000"/>
+                    </a:srgbClr>
+                  </a:outerShdw>
+                </a:effectLst>
+              </a:rPr>
+              <a:t>プレイするたびに難易度が変わる</a:t>
+            </a:r>
+            <a:endParaRPr lang="en-US" altLang="ja-JP" sz="3600" b="1" i="1" dirty="0">
+              <a:ln w="0"/>
+              <a:solidFill>
+                <a:srgbClr val="FF00FF"/>
+              </a:solidFill>
+              <a:effectLst>
+                <a:glow rad="228600">
+                  <a:schemeClr val="accent4">
+                    <a:satMod val="175000"/>
+                    <a:alpha val="40000"/>
+                  </a:schemeClr>
+                </a:glow>
+                <a:outerShdw blurRad="38100" dist="25400" dir="5400000" algn="ctr" rotWithShape="0">
+                  <a:srgbClr val="6E747A">
+                    <a:alpha val="43000"/>
+                  </a:srgbClr>
+                </a:outerShdw>
+              </a:effectLst>
+            </a:endParaRPr>
+          </a:p>
+        </p:txBody>
+      </p:sp>
+      <p:sp>
+        <p:nvSpPr>
+          <p:cNvPr id="15" name="テキスト ボックス 14">
+            <a:extLst>
+              <a:ext uri="{FF2B5EF4-FFF2-40B4-BE49-F238E27FC236}">
+                <a16:creationId xmlns:a16="http://schemas.microsoft.com/office/drawing/2014/main" id="{6E55C229-0473-8E1C-616C-94BE5F38A025}"/>
+              </a:ext>
+            </a:extLst>
+          </p:cNvPr>
+          <p:cNvSpPr txBox="1"/>
+          <p:nvPr/>
+        </p:nvSpPr>
+        <p:spPr>
+          <a:xfrm>
+            <a:off x="6004241" y="1118118"/>
+            <a:ext cx="5661587" cy="646331"/>
           </a:xfrm>
           <a:prstGeom prst="rect">
             <a:avLst/>
@@ -4323,27 +4361,20 @@
           </a:bodyPr>
           <a:lstStyle/>
           <a:p>
-            <a:r>
-              <a:rPr lang="ja-JP" altLang="en-US" sz="2000" dirty="0" smtClean="0"/>
-              <a:t>ゲームジャンル</a:t>
-            </a:r>
-            <a:r>
-              <a:rPr lang="en-US" altLang="ja-JP" sz="2000" dirty="0" smtClean="0"/>
-              <a:t>…</a:t>
-            </a:r>
-            <a:r>
-              <a:rPr lang="ja-JP" altLang="en-US" sz="2000" dirty="0" smtClean="0"/>
-              <a:t>ローグライクアクションゲーム</a:t>
-            </a:r>
-            <a:r>
-              <a:rPr lang="ja-JP" altLang="en-US" b="1" dirty="0"/>
-              <a:t>　</a:t>
-            </a:r>
+            <a:pPr algn="ctr"/>
             <a:r>
               <a:rPr lang="ja-JP" altLang="en-US" dirty="0"/>
-              <a:t>　</a:t>
-            </a:r>
-            <a:endParaRPr kumimoji="1" lang="ja-JP" altLang="en-US" dirty="0"/>
+              <a:t>ショップに出現するアイテムはランダムで変化する</a:t>
+            </a:r>
+            <a:endParaRPr lang="en-US" altLang="ja-JP" dirty="0"/>
+          </a:p>
+          <a:p>
+            <a:pPr algn="ctr"/>
+            <a:r>
+              <a:rPr lang="ja-JP" altLang="en-US" dirty="0"/>
+              <a:t>購入したアイテムの組み合わせによっては・・・</a:t>
+            </a:r>
+            <a:endParaRPr lang="en-US" altLang="ja-JP" dirty="0"/>
           </a:p>
         </p:txBody>
       </p:sp>
@@ -4357,13 +4388,6 @@
   <p:clrMapOvr>
     <a:masterClrMapping/>
   </p:clrMapOvr>
-  <p:timing>
-    <p:tnLst>
-      <p:par>
-        <p:cTn id="1" dur="indefinite" restart="never" nodeType="tmRoot"/>
-      </p:par>
-    </p:tnLst>
-  </p:timing>
 </p:sld>
 </file>
 

--- a/Neotopia.pptx
+++ b/Neotopia.pptx
@@ -197,7 +197,7 @@
           <a:p>
             <a:fld id="{7C6849B6-5F76-4253-B254-E3DEDBE220A0}" type="datetimeFigureOut">
               <a:rPr kumimoji="1" lang="ja-JP" altLang="en-US" smtClean="0"/>
-              <a:t>2025/1/21</a:t>
+              <a:t>2025/1/22</a:t>
             </a:fld>
             <a:endParaRPr kumimoji="1" lang="ja-JP" altLang="en-US"/>
           </a:p>
@@ -709,7 +709,7 @@
           <a:p>
             <a:fld id="{3A4C0ADF-BAED-4B27-807A-5C780925F569}" type="datetimeFigureOut">
               <a:rPr kumimoji="1" lang="ja-JP" altLang="en-US" smtClean="0"/>
-              <a:t>2025/1/21</a:t>
+              <a:t>2025/1/22</a:t>
             </a:fld>
             <a:endParaRPr kumimoji="1" lang="ja-JP" altLang="en-US"/>
           </a:p>
@@ -909,7 +909,7 @@
           <a:p>
             <a:fld id="{3A4C0ADF-BAED-4B27-807A-5C780925F569}" type="datetimeFigureOut">
               <a:rPr kumimoji="1" lang="ja-JP" altLang="en-US" smtClean="0"/>
-              <a:t>2025/1/21</a:t>
+              <a:t>2025/1/22</a:t>
             </a:fld>
             <a:endParaRPr kumimoji="1" lang="ja-JP" altLang="en-US"/>
           </a:p>
@@ -1119,7 +1119,7 @@
           <a:p>
             <a:fld id="{3A4C0ADF-BAED-4B27-807A-5C780925F569}" type="datetimeFigureOut">
               <a:rPr kumimoji="1" lang="ja-JP" altLang="en-US" smtClean="0"/>
-              <a:t>2025/1/21</a:t>
+              <a:t>2025/1/22</a:t>
             </a:fld>
             <a:endParaRPr kumimoji="1" lang="ja-JP" altLang="en-US"/>
           </a:p>
@@ -1319,7 +1319,7 @@
           <a:p>
             <a:fld id="{3A4C0ADF-BAED-4B27-807A-5C780925F569}" type="datetimeFigureOut">
               <a:rPr kumimoji="1" lang="ja-JP" altLang="en-US" smtClean="0"/>
-              <a:t>2025/1/21</a:t>
+              <a:t>2025/1/22</a:t>
             </a:fld>
             <a:endParaRPr kumimoji="1" lang="ja-JP" altLang="en-US"/>
           </a:p>
@@ -1564,7 +1564,7 @@
           <a:p>
             <a:fld id="{3A4C0ADF-BAED-4B27-807A-5C780925F569}" type="datetimeFigureOut">
               <a:rPr kumimoji="1" lang="ja-JP" altLang="en-US" smtClean="0"/>
-              <a:t>2025/1/21</a:t>
+              <a:t>2025/1/22</a:t>
             </a:fld>
             <a:endParaRPr kumimoji="1" lang="ja-JP" altLang="en-US"/>
           </a:p>
@@ -1857,7 +1857,7 @@
           <a:p>
             <a:fld id="{3A4C0ADF-BAED-4B27-807A-5C780925F569}" type="datetimeFigureOut">
               <a:rPr kumimoji="1" lang="ja-JP" altLang="en-US" smtClean="0"/>
-              <a:t>2025/1/21</a:t>
+              <a:t>2025/1/22</a:t>
             </a:fld>
             <a:endParaRPr kumimoji="1" lang="ja-JP" altLang="en-US"/>
           </a:p>
@@ -2285,7 +2285,7 @@
           <a:p>
             <a:fld id="{3A4C0ADF-BAED-4B27-807A-5C780925F569}" type="datetimeFigureOut">
               <a:rPr kumimoji="1" lang="ja-JP" altLang="en-US" smtClean="0"/>
-              <a:t>2025/1/21</a:t>
+              <a:t>2025/1/22</a:t>
             </a:fld>
             <a:endParaRPr kumimoji="1" lang="ja-JP" altLang="en-US"/>
           </a:p>
@@ -2402,7 +2402,7 @@
           <a:p>
             <a:fld id="{3A4C0ADF-BAED-4B27-807A-5C780925F569}" type="datetimeFigureOut">
               <a:rPr kumimoji="1" lang="ja-JP" altLang="en-US" smtClean="0"/>
-              <a:t>2025/1/21</a:t>
+              <a:t>2025/1/22</a:t>
             </a:fld>
             <a:endParaRPr kumimoji="1" lang="ja-JP" altLang="en-US"/>
           </a:p>
@@ -2497,7 +2497,7 @@
           <a:p>
             <a:fld id="{3A4C0ADF-BAED-4B27-807A-5C780925F569}" type="datetimeFigureOut">
               <a:rPr kumimoji="1" lang="ja-JP" altLang="en-US" smtClean="0"/>
-              <a:t>2025/1/21</a:t>
+              <a:t>2025/1/22</a:t>
             </a:fld>
             <a:endParaRPr kumimoji="1" lang="ja-JP" altLang="en-US"/>
           </a:p>
@@ -2804,7 +2804,7 @@
           <a:p>
             <a:fld id="{3A4C0ADF-BAED-4B27-807A-5C780925F569}" type="datetimeFigureOut">
               <a:rPr kumimoji="1" lang="ja-JP" altLang="en-US" smtClean="0"/>
-              <a:t>2025/1/21</a:t>
+              <a:t>2025/1/22</a:t>
             </a:fld>
             <a:endParaRPr kumimoji="1" lang="ja-JP" altLang="en-US"/>
           </a:p>
@@ -3056,7 +3056,7 @@
           <a:p>
             <a:fld id="{3A4C0ADF-BAED-4B27-807A-5C780925F569}" type="datetimeFigureOut">
               <a:rPr kumimoji="1" lang="ja-JP" altLang="en-US" smtClean="0"/>
-              <a:t>2025/1/21</a:t>
+              <a:t>2025/1/22</a:t>
             </a:fld>
             <a:endParaRPr kumimoji="1" lang="ja-JP" altLang="en-US"/>
           </a:p>
@@ -3299,7 +3299,7 @@
           <a:p>
             <a:fld id="{3A4C0ADF-BAED-4B27-807A-5C780925F569}" type="datetimeFigureOut">
               <a:rPr kumimoji="1" lang="ja-JP" altLang="en-US" smtClean="0"/>
-              <a:t>2025/1/21</a:t>
+              <a:t>2025/1/22</a:t>
             </a:fld>
             <a:endParaRPr kumimoji="1" lang="ja-JP" altLang="en-US"/>
           </a:p>
@@ -4208,11 +4208,11 @@
               <a:rPr lang="ja-JP" altLang="en-US" sz="3200" i="1" dirty="0">
                 <a:ln>
                   <a:solidFill>
-                    <a:srgbClr val="FF00FF"/>
+                    <a:srgbClr val="FF66FF"/>
                   </a:solidFill>
                 </a:ln>
                 <a:solidFill>
-                  <a:srgbClr val="FF00FF"/>
+                  <a:srgbClr val="FFCCFF"/>
                 </a:solidFill>
                 <a:effectLst>
                   <a:glow rad="101600">
@@ -4233,11 +4233,11 @@
             <a:endParaRPr kumimoji="1" lang="ja-JP" altLang="en-US" sz="3200" dirty="0">
               <a:ln>
                 <a:solidFill>
-                  <a:srgbClr val="FF00FF"/>
+                  <a:srgbClr val="FF66FF"/>
                 </a:solidFill>
               </a:ln>
               <a:solidFill>
-                <a:srgbClr val="FF00FF"/>
+                <a:srgbClr val="FFCCFF"/>
               </a:solidFill>
               <a:effectLst>
                 <a:glow rad="101600">

--- a/Neotopia.pptx
+++ b/Neotopia.pptx
@@ -197,7 +197,7 @@
           <a:p>
             <a:fld id="{7C6849B6-5F76-4253-B254-E3DEDBE220A0}" type="datetimeFigureOut">
               <a:rPr kumimoji="1" lang="ja-JP" altLang="en-US" smtClean="0"/>
-              <a:t>2025/1/22</a:t>
+              <a:t>2025/1/24</a:t>
             </a:fld>
             <a:endParaRPr kumimoji="1" lang="ja-JP" altLang="en-US"/>
           </a:p>
@@ -709,7 +709,7 @@
           <a:p>
             <a:fld id="{3A4C0ADF-BAED-4B27-807A-5C780925F569}" type="datetimeFigureOut">
               <a:rPr kumimoji="1" lang="ja-JP" altLang="en-US" smtClean="0"/>
-              <a:t>2025/1/22</a:t>
+              <a:t>2025/1/24</a:t>
             </a:fld>
             <a:endParaRPr kumimoji="1" lang="ja-JP" altLang="en-US"/>
           </a:p>
@@ -909,7 +909,7 @@
           <a:p>
             <a:fld id="{3A4C0ADF-BAED-4B27-807A-5C780925F569}" type="datetimeFigureOut">
               <a:rPr kumimoji="1" lang="ja-JP" altLang="en-US" smtClean="0"/>
-              <a:t>2025/1/22</a:t>
+              <a:t>2025/1/24</a:t>
             </a:fld>
             <a:endParaRPr kumimoji="1" lang="ja-JP" altLang="en-US"/>
           </a:p>
@@ -1119,7 +1119,7 @@
           <a:p>
             <a:fld id="{3A4C0ADF-BAED-4B27-807A-5C780925F569}" type="datetimeFigureOut">
               <a:rPr kumimoji="1" lang="ja-JP" altLang="en-US" smtClean="0"/>
-              <a:t>2025/1/22</a:t>
+              <a:t>2025/1/24</a:t>
             </a:fld>
             <a:endParaRPr kumimoji="1" lang="ja-JP" altLang="en-US"/>
           </a:p>
@@ -1319,7 +1319,7 @@
           <a:p>
             <a:fld id="{3A4C0ADF-BAED-4B27-807A-5C780925F569}" type="datetimeFigureOut">
               <a:rPr kumimoji="1" lang="ja-JP" altLang="en-US" smtClean="0"/>
-              <a:t>2025/1/22</a:t>
+              <a:t>2025/1/24</a:t>
             </a:fld>
             <a:endParaRPr kumimoji="1" lang="ja-JP" altLang="en-US"/>
           </a:p>
@@ -1564,7 +1564,7 @@
           <a:p>
             <a:fld id="{3A4C0ADF-BAED-4B27-807A-5C780925F569}" type="datetimeFigureOut">
               <a:rPr kumimoji="1" lang="ja-JP" altLang="en-US" smtClean="0"/>
-              <a:t>2025/1/22</a:t>
+              <a:t>2025/1/24</a:t>
             </a:fld>
             <a:endParaRPr kumimoji="1" lang="ja-JP" altLang="en-US"/>
           </a:p>
@@ -1857,7 +1857,7 @@
           <a:p>
             <a:fld id="{3A4C0ADF-BAED-4B27-807A-5C780925F569}" type="datetimeFigureOut">
               <a:rPr kumimoji="1" lang="ja-JP" altLang="en-US" smtClean="0"/>
-              <a:t>2025/1/22</a:t>
+              <a:t>2025/1/24</a:t>
             </a:fld>
             <a:endParaRPr kumimoji="1" lang="ja-JP" altLang="en-US"/>
           </a:p>
@@ -2285,7 +2285,7 @@
           <a:p>
             <a:fld id="{3A4C0ADF-BAED-4B27-807A-5C780925F569}" type="datetimeFigureOut">
               <a:rPr kumimoji="1" lang="ja-JP" altLang="en-US" smtClean="0"/>
-              <a:t>2025/1/22</a:t>
+              <a:t>2025/1/24</a:t>
             </a:fld>
             <a:endParaRPr kumimoji="1" lang="ja-JP" altLang="en-US"/>
           </a:p>
@@ -2402,7 +2402,7 @@
           <a:p>
             <a:fld id="{3A4C0ADF-BAED-4B27-807A-5C780925F569}" type="datetimeFigureOut">
               <a:rPr kumimoji="1" lang="ja-JP" altLang="en-US" smtClean="0"/>
-              <a:t>2025/1/22</a:t>
+              <a:t>2025/1/24</a:t>
             </a:fld>
             <a:endParaRPr kumimoji="1" lang="ja-JP" altLang="en-US"/>
           </a:p>
@@ -2497,7 +2497,7 @@
           <a:p>
             <a:fld id="{3A4C0ADF-BAED-4B27-807A-5C780925F569}" type="datetimeFigureOut">
               <a:rPr kumimoji="1" lang="ja-JP" altLang="en-US" smtClean="0"/>
-              <a:t>2025/1/22</a:t>
+              <a:t>2025/1/24</a:t>
             </a:fld>
             <a:endParaRPr kumimoji="1" lang="ja-JP" altLang="en-US"/>
           </a:p>
@@ -2804,7 +2804,7 @@
           <a:p>
             <a:fld id="{3A4C0ADF-BAED-4B27-807A-5C780925F569}" type="datetimeFigureOut">
               <a:rPr kumimoji="1" lang="ja-JP" altLang="en-US" smtClean="0"/>
-              <a:t>2025/1/22</a:t>
+              <a:t>2025/1/24</a:t>
             </a:fld>
             <a:endParaRPr kumimoji="1" lang="ja-JP" altLang="en-US"/>
           </a:p>
@@ -3056,7 +3056,7 @@
           <a:p>
             <a:fld id="{3A4C0ADF-BAED-4B27-807A-5C780925F569}" type="datetimeFigureOut">
               <a:rPr kumimoji="1" lang="ja-JP" altLang="en-US" smtClean="0"/>
-              <a:t>2025/1/22</a:t>
+              <a:t>2025/1/24</a:t>
             </a:fld>
             <a:endParaRPr kumimoji="1" lang="ja-JP" altLang="en-US"/>
           </a:p>
@@ -3299,7 +3299,7 @@
           <a:p>
             <a:fld id="{3A4C0ADF-BAED-4B27-807A-5C780925F569}" type="datetimeFigureOut">
               <a:rPr kumimoji="1" lang="ja-JP" altLang="en-US" smtClean="0"/>
-              <a:t>2025/1/22</a:t>
+              <a:t>2025/1/24</a:t>
             </a:fld>
             <a:endParaRPr kumimoji="1" lang="ja-JP" altLang="en-US"/>
           </a:p>
@@ -3713,7 +3713,7 @@
         <p:spPr>
           <a:xfrm>
             <a:off x="1" y="-372"/>
-            <a:ext cx="4309450" cy="1734579"/>
+            <a:ext cx="4421750" cy="1939798"/>
           </a:xfrm>
           <a:prstGeom prst="rect">
             <a:avLst/>
@@ -3774,7 +3774,7 @@
         </p:blipFill>
         <p:spPr>
           <a:xfrm>
-            <a:off x="112301" y="0"/>
+            <a:off x="188174" y="142669"/>
             <a:ext cx="4045405" cy="2666871"/>
           </a:xfrm>
           <a:prstGeom prst="rect">
@@ -3790,8 +3790,8 @@
         </p:nvSpPr>
         <p:spPr>
           <a:xfrm>
-            <a:off x="8489853" y="6181444"/>
-            <a:ext cx="3492102" cy="584775"/>
+            <a:off x="7670695" y="142669"/>
+            <a:ext cx="4403834" cy="338554"/>
           </a:xfrm>
           <a:prstGeom prst="rect">
             <a:avLst/>
@@ -3805,31 +3805,32 @@
           <a:lstStyle/>
           <a:p>
             <a:r>
+              <a:rPr lang="ja-JP" altLang="en-US" sz="1600" b="1" dirty="0" smtClean="0"/>
+              <a:t>情報</a:t>
+            </a:r>
+            <a:r>
               <a:rPr lang="ja-JP" altLang="en-US" sz="1600" b="1" dirty="0"/>
-              <a:t>　　　クリエイタ学科 </a:t>
+              <a:t>クリエイタ工学科 </a:t>
             </a:r>
             <a:r>
               <a:rPr lang="en-US" altLang="ja-JP" sz="1600" b="1" dirty="0"/>
               <a:t>1</a:t>
             </a:r>
             <a:r>
+              <a:rPr lang="ja-JP" altLang="en-US" sz="1600" b="1" dirty="0" smtClean="0"/>
+              <a:t>年　岸</a:t>
+            </a:r>
+            <a:r>
               <a:rPr lang="ja-JP" altLang="en-US" sz="1600" b="1" dirty="0"/>
-              <a:t>年 岸、石塚</a:t>
-            </a:r>
-            <a:endParaRPr lang="en-US" altLang="ja-JP" sz="1600" b="1" dirty="0"/>
-          </a:p>
-          <a:p>
-            <a:r>
-              <a:rPr lang="ja-JP" altLang="en-US" sz="1600" b="1" dirty="0"/>
-              <a:t>情報クリエイタ工学科 </a:t>
-            </a:r>
-            <a:r>
-              <a:rPr lang="en-US" altLang="ja-JP" sz="1600" b="1" dirty="0"/>
-              <a:t>1</a:t>
-            </a:r>
-            <a:r>
-              <a:rPr lang="ja-JP" altLang="en-US" sz="1600" b="1" dirty="0"/>
-              <a:t>年 河野</a:t>
+              <a:t>、</a:t>
+            </a:r>
+            <a:r>
+              <a:rPr lang="ja-JP" altLang="en-US" sz="1600" b="1" dirty="0" smtClean="0"/>
+              <a:t>石塚、</a:t>
+            </a:r>
+            <a:r>
+              <a:rPr lang="ja-JP" altLang="en-US" sz="1600" b="1" dirty="0" smtClean="0"/>
+              <a:t>河野</a:t>
             </a:r>
             <a:r>
               <a:rPr lang="ja-JP" altLang="en-US" sz="1600" dirty="0"/>
@@ -3847,7 +3848,7 @@
         </p:nvSpPr>
         <p:spPr>
           <a:xfrm>
-            <a:off x="552121" y="6298781"/>
+            <a:off x="630347" y="6304554"/>
             <a:ext cx="5465653" cy="461665"/>
           </a:xfrm>
           <a:prstGeom prst="rect">
@@ -3903,7 +3904,7 @@
         </p:blipFill>
         <p:spPr>
           <a:xfrm>
-            <a:off x="835536" y="3672896"/>
+            <a:off x="1059658" y="3638083"/>
             <a:ext cx="4117207" cy="2543361"/>
           </a:xfrm>
           <a:prstGeom prst="rect">
@@ -3930,7 +3931,7 @@
         </p:nvSpPr>
         <p:spPr>
           <a:xfrm>
-            <a:off x="312253" y="1875331"/>
+            <a:off x="630347" y="2218812"/>
             <a:ext cx="5661587" cy="584775"/>
           </a:xfrm>
           <a:prstGeom prst="rect">
@@ -3964,7 +3965,7 @@
                   </a:outerShdw>
                 </a:effectLst>
               </a:rPr>
-              <a:t>敵を倒してお金を稼げ！！！</a:t>
+              <a:t>敵を倒してお金を稼げ！！</a:t>
             </a:r>
             <a:endParaRPr kumimoji="1" lang="ja-JP" altLang="en-US" sz="3200" b="1" dirty="0">
               <a:ln w="6600">
@@ -4010,7 +4011,7 @@
         </p:blipFill>
         <p:spPr>
           <a:xfrm>
-            <a:off x="6904280" y="1927910"/>
+            <a:off x="6809549" y="2224808"/>
             <a:ext cx="4234487" cy="2543361"/>
           </a:xfrm>
           <a:prstGeom prst="rect">
@@ -4031,133 +4032,14 @@
       </p:pic>
       <p:sp>
         <p:nvSpPr>
-          <p:cNvPr id="12" name="テキスト ボックス 11"/>
-          <p:cNvSpPr txBox="1"/>
-          <p:nvPr/>
-        </p:nvSpPr>
-        <p:spPr>
-          <a:xfrm>
-            <a:off x="-256215" y="2911283"/>
-            <a:ext cx="6798522" cy="769441"/>
-          </a:xfrm>
-          <a:prstGeom prst="rect">
-            <a:avLst/>
-          </a:prstGeom>
-          <a:noFill/>
-        </p:spPr>
-        <p:txBody>
-          <a:bodyPr wrap="square" rtlCol="0">
-            <a:spAutoFit/>
-          </a:bodyPr>
-          <a:lstStyle/>
-          <a:p>
-            <a:pPr algn="ctr"/>
-            <a:r>
-              <a:rPr lang="ja-JP" altLang="en-US" b="1" dirty="0">
-                <a:solidFill>
-                  <a:srgbClr val="FF0000"/>
-                </a:solidFill>
-              </a:rPr>
-              <a:t>速く敵を倒せれば</a:t>
-            </a:r>
-            <a:r>
-              <a:rPr lang="ja-JP" altLang="en-US" dirty="0"/>
-              <a:t>お金を大量にゲットできる</a:t>
-            </a:r>
-            <a:endParaRPr lang="en-US" altLang="ja-JP" dirty="0"/>
-          </a:p>
-          <a:p>
-            <a:pPr algn="ctr"/>
-            <a:endParaRPr lang="en-US" altLang="ja-JP" sz="800" dirty="0"/>
-          </a:p>
-          <a:p>
-            <a:pPr algn="ctr"/>
-            <a:r>
-              <a:rPr lang="ja-JP" altLang="en-US" dirty="0"/>
-              <a:t>アイテムを購入して戦闘を有利にしよう！</a:t>
-            </a:r>
-            <a:endParaRPr lang="en-US" altLang="ja-JP" dirty="0"/>
-          </a:p>
-        </p:txBody>
-      </p:sp>
-      <p:sp>
-        <p:nvSpPr>
-          <p:cNvPr id="2" name="テキスト ボックス 1">
-            <a:extLst>
-              <a:ext uri="{FF2B5EF4-FFF2-40B4-BE49-F238E27FC236}">
-                <a16:creationId xmlns:a16="http://schemas.microsoft.com/office/drawing/2014/main" id="{46C9CA48-2EFE-7C69-0E69-71C9EF9DEAAC}"/>
-              </a:ext>
-            </a:extLst>
-          </p:cNvPr>
-          <p:cNvSpPr txBox="1"/>
-          <p:nvPr/>
-        </p:nvSpPr>
-        <p:spPr>
-          <a:xfrm>
-            <a:off x="5168039" y="5592452"/>
-            <a:ext cx="7183571" cy="523220"/>
-          </a:xfrm>
-          <a:prstGeom prst="rect">
-            <a:avLst/>
-          </a:prstGeom>
-          <a:noFill/>
-        </p:spPr>
-        <p:txBody>
-          <a:bodyPr wrap="square" rtlCol="0">
-            <a:spAutoFit/>
-          </a:bodyPr>
-          <a:lstStyle/>
-          <a:p>
-            <a:r>
-              <a:rPr lang="ja-JP" altLang="en-US" sz="2800" b="1" dirty="0">
-                <a:ln>
-                  <a:solidFill>
-                    <a:srgbClr val="C00000"/>
-                  </a:solidFill>
-                </a:ln>
-                <a:solidFill>
-                  <a:srgbClr val="FF0000"/>
-                </a:solidFill>
-                <a:effectLst>
-                  <a:outerShdw blurRad="50800" dist="38100" dir="16200000" rotWithShape="0">
-                    <a:prstClr val="black">
-                      <a:alpha val="40000"/>
-                    </a:prstClr>
-                  </a:outerShdw>
-                </a:effectLst>
-              </a:rPr>
-              <a:t>きみは最後のボスまでクリアできるかな？</a:t>
-            </a:r>
-            <a:endParaRPr kumimoji="1" lang="ja-JP" altLang="en-US" sz="2800" b="1" dirty="0">
-              <a:ln>
-                <a:solidFill>
-                  <a:srgbClr val="C00000"/>
-                </a:solidFill>
-              </a:ln>
-              <a:solidFill>
-                <a:srgbClr val="FF0000"/>
-              </a:solidFill>
-              <a:effectLst>
-                <a:outerShdw blurRad="50800" dist="38100" dir="16200000" rotWithShape="0">
-                  <a:prstClr val="black">
-                    <a:alpha val="40000"/>
-                  </a:prstClr>
-                </a:outerShdw>
-              </a:effectLst>
-            </a:endParaRPr>
-          </a:p>
-        </p:txBody>
-      </p:sp>
-      <p:sp>
-        <p:nvSpPr>
           <p:cNvPr id="3" name="正方形/長方形 2"/>
           <p:cNvSpPr/>
           <p:nvPr/>
         </p:nvSpPr>
         <p:spPr>
           <a:xfrm>
-            <a:off x="307210" y="2460106"/>
-            <a:ext cx="5955476" cy="369332"/>
+            <a:off x="948436" y="2850157"/>
+            <a:ext cx="4339650" cy="646331"/>
           </a:xfrm>
           <a:prstGeom prst="rect">
             <a:avLst/>
@@ -4169,9 +4051,18 @@
           </a:bodyPr>
           <a:lstStyle/>
           <a:p>
+            <a:pPr algn="ctr"/>
             <a:r>
               <a:rPr lang="ja-JP" altLang="en-US" b="1" dirty="0"/>
-              <a:t>ステージを進めば進むほど敵はどんどん強くなっていく</a:t>
+              <a:t>ステージを進めれば敵は強くなっていく</a:t>
+            </a:r>
+            <a:endParaRPr lang="en-US" altLang="ja-JP" b="1" dirty="0"/>
+          </a:p>
+          <a:p>
+            <a:pPr algn="ctr"/>
+            <a:r>
+              <a:rPr lang="ja-JP" altLang="en-US" b="1" dirty="0"/>
+              <a:t>お金を集めて自分を強化！</a:t>
             </a:r>
             <a:endParaRPr lang="en-US" altLang="ja-JP" b="1" dirty="0"/>
           </a:p>
@@ -4185,8 +4076,8 @@
         </p:nvSpPr>
         <p:spPr>
           <a:xfrm>
-            <a:off x="4877532" y="4763658"/>
-            <a:ext cx="7764584" cy="584775"/>
+            <a:off x="5621976" y="4926354"/>
+            <a:ext cx="6452553" cy="584775"/>
           </a:xfrm>
           <a:prstGeom prst="rect">
             <a:avLst/>
@@ -4205,22 +4096,16 @@
           <a:p>
             <a:pPr algn="ctr"/>
             <a:r>
-              <a:rPr lang="ja-JP" altLang="en-US" sz="3200" i="1" dirty="0">
+              <a:rPr kumimoji="1" lang="ja-JP" altLang="en-US" sz="3200" i="1" dirty="0">
                 <a:ln>
                   <a:solidFill>
-                    <a:srgbClr val="FF66FF"/>
+                    <a:srgbClr val="FF00FF"/>
                   </a:solidFill>
                 </a:ln>
                 <a:solidFill>
-                  <a:srgbClr val="FFCCFF"/>
+                  <a:srgbClr val="FF99CC"/>
                 </a:solidFill>
                 <a:effectLst>
-                  <a:glow rad="101600">
-                    <a:schemeClr val="accent4">
-                      <a:satMod val="175000"/>
-                      <a:alpha val="40000"/>
-                    </a:schemeClr>
-                  </a:glow>
                   <a:outerShdw blurRad="50800" dist="38100" dir="5400000" algn="t" rotWithShape="0">
                     <a:prstClr val="black">
                       <a:alpha val="40000"/>
@@ -4228,24 +4113,18 @@
                   </a:outerShdw>
                 </a:effectLst>
               </a:rPr>
-              <a:t>一攫千金を目指して突き進め！！</a:t>
+              <a:t>アイテムを組み合わせて強くなる</a:t>
             </a:r>
             <a:endParaRPr kumimoji="1" lang="ja-JP" altLang="en-US" sz="3200" dirty="0">
               <a:ln>
                 <a:solidFill>
-                  <a:srgbClr val="FF66FF"/>
+                  <a:srgbClr val="FF00FF"/>
                 </a:solidFill>
               </a:ln>
               <a:solidFill>
-                <a:srgbClr val="FFCCFF"/>
+                <a:srgbClr val="FF99CC"/>
               </a:solidFill>
               <a:effectLst>
-                <a:glow rad="101600">
-                  <a:schemeClr val="accent4">
-                    <a:satMod val="175000"/>
-                    <a:alpha val="40000"/>
-                  </a:schemeClr>
-                </a:glow>
                 <a:outerShdw blurRad="50800" dist="38100" dir="5400000" algn="t" rotWithShape="0">
                   <a:prstClr val="black">
                     <a:alpha val="40000"/>
@@ -4270,8 +4149,8 @@
         </p:nvSpPr>
         <p:spPr>
           <a:xfrm>
-            <a:off x="4229492" y="293226"/>
-            <a:ext cx="7862278" cy="646331"/>
+            <a:off x="4421751" y="728844"/>
+            <a:ext cx="7862278" cy="1200329"/>
           </a:xfrm>
           <a:prstGeom prst="rect">
             <a:avLst/>
@@ -4331,6 +4210,53 @@
               </a:effectLst>
             </a:endParaRPr>
           </a:p>
+          <a:p>
+            <a:pPr algn="ctr"/>
+            <a:r>
+              <a:rPr lang="ja-JP" altLang="en-US" sz="3600" b="1" i="1" dirty="0">
+                <a:ln w="0"/>
+                <a:solidFill>
+                  <a:srgbClr val="FF00FF"/>
+                </a:solidFill>
+                <a:effectLst>
+                  <a:glow rad="228600">
+                    <a:schemeClr val="accent4">
+                      <a:satMod val="175000"/>
+                      <a:alpha val="40000"/>
+                    </a:schemeClr>
+                  </a:glow>
+                  <a:outerShdw blurRad="38100" dist="25400" dir="5400000" algn="ctr" rotWithShape="0">
+                    <a:srgbClr val="6E747A">
+                      <a:alpha val="43000"/>
+                    </a:srgbClr>
+                  </a:outerShdw>
+                </a:effectLst>
+              </a:rPr>
+              <a:t>ローグライク</a:t>
+            </a:r>
+            <a:r>
+              <a:rPr lang="en-US" altLang="ja-JP" sz="3600" b="1" i="1" dirty="0">
+                <a:ln w="0"/>
+                <a:solidFill>
+                  <a:srgbClr val="FF00FF"/>
+                </a:solidFill>
+                <a:effectLst>
+                  <a:glow rad="228600">
+                    <a:schemeClr val="accent4">
+                      <a:satMod val="175000"/>
+                      <a:alpha val="40000"/>
+                    </a:schemeClr>
+                  </a:glow>
+                  <a:outerShdw blurRad="38100" dist="25400" dir="5400000" algn="ctr" rotWithShape="0">
+                    <a:srgbClr val="6E747A">
+                      <a:alpha val="43000"/>
+                    </a:srgbClr>
+                  </a:outerShdw>
+                </a:effectLst>
+              </a:rPr>
+              <a:t>RPG</a:t>
+            </a:r>
+          </a:p>
         </p:txBody>
       </p:sp>
       <p:sp>
@@ -4347,7 +4273,7 @@
         </p:nvSpPr>
         <p:spPr>
           <a:xfrm>
-            <a:off x="6004241" y="1118118"/>
+            <a:off x="6096000" y="5500038"/>
             <a:ext cx="5661587" cy="646331"/>
           </a:xfrm>
           <a:prstGeom prst="rect">
@@ -4363,18 +4289,18 @@
           <a:p>
             <a:pPr algn="ctr"/>
             <a:r>
-              <a:rPr lang="ja-JP" altLang="en-US" dirty="0"/>
-              <a:t>ショップに出現するアイテムはランダムで変化する</a:t>
-            </a:r>
-            <a:endParaRPr lang="en-US" altLang="ja-JP" dirty="0"/>
+              <a:rPr lang="ja-JP" altLang="en-US" b="1" dirty="0"/>
+              <a:t>出現するアイテムはランダムで変化する</a:t>
+            </a:r>
+            <a:endParaRPr lang="en-US" altLang="ja-JP" b="1" dirty="0"/>
           </a:p>
           <a:p>
             <a:pPr algn="ctr"/>
             <a:r>
-              <a:rPr lang="ja-JP" altLang="en-US" dirty="0"/>
-              <a:t>購入したアイテムの組み合わせによっては・・・</a:t>
-            </a:r>
-            <a:endParaRPr lang="en-US" altLang="ja-JP" dirty="0"/>
+              <a:rPr lang="ja-JP" altLang="en-US" b="1" dirty="0"/>
+              <a:t>アイテムを購入して戦闘を有利にしよう！</a:t>
+            </a:r>
+            <a:endParaRPr lang="en-US" altLang="ja-JP" b="1" dirty="0"/>
           </a:p>
         </p:txBody>
       </p:sp>

--- a/Neotopia.pptx
+++ b/Neotopia.pptx
@@ -3826,11 +3826,7 @@
             </a:r>
             <a:r>
               <a:rPr lang="ja-JP" altLang="en-US" sz="1600" b="1" dirty="0" smtClean="0"/>
-              <a:t>石塚、</a:t>
-            </a:r>
-            <a:r>
-              <a:rPr lang="ja-JP" altLang="en-US" sz="1600" b="1" dirty="0" smtClean="0"/>
-              <a:t>河野</a:t>
+              <a:t>石塚、河野</a:t>
             </a:r>
             <a:r>
               <a:rPr lang="ja-JP" altLang="en-US" sz="1600" dirty="0"/>
@@ -3848,8 +3844,8 @@
         </p:nvSpPr>
         <p:spPr>
           <a:xfrm>
-            <a:off x="630347" y="6304554"/>
-            <a:ext cx="5465653" cy="461665"/>
+            <a:off x="3873432" y="6323039"/>
+            <a:ext cx="4837003" cy="461665"/>
           </a:xfrm>
           <a:prstGeom prst="rect">
             <a:avLst/>
@@ -4011,7 +4007,7 @@
         </p:blipFill>
         <p:spPr>
           <a:xfrm>
-            <a:off x="6809549" y="2224808"/>
+            <a:off x="6809548" y="3638083"/>
             <a:ext cx="4234487" cy="2543361"/>
           </a:xfrm>
           <a:prstGeom prst="rect">
@@ -4076,7 +4072,7 @@
         </p:nvSpPr>
         <p:spPr>
           <a:xfrm>
-            <a:off x="5621976" y="4926354"/>
+            <a:off x="5700516" y="2222472"/>
             <a:ext cx="6452553" cy="584775"/>
           </a:xfrm>
           <a:prstGeom prst="rect">
@@ -4273,7 +4269,7 @@
         </p:nvSpPr>
         <p:spPr>
           <a:xfrm>
-            <a:off x="6096000" y="5500038"/>
+            <a:off x="6291934" y="2845094"/>
             <a:ext cx="5661587" cy="646331"/>
           </a:xfrm>
           <a:prstGeom prst="rect">
